--- a/Common-and-Prerequisite-Material/Module_Legal/Lesson 1 LegalAspects_CyberCrime.pptx
+++ b/Common-and-Prerequisite-Material/Module_Legal/Lesson 1 LegalAspects_CyberCrime.pptx
@@ -274,7 +274,7 @@
               <a:pPr>
                 <a:defRPr/>
               </a:pPr>
-              <a:t>3/27/2018</a:t>
+              <a:t>4/16/18</a:t>
             </a:fld>
             <a:endParaRPr lang="en-US"/>
           </a:p>
@@ -791,7 +791,7 @@
                 <a:spcPct val="0"/>
               </a:spcBef>
             </a:pPr>
-            <a:endParaRPr lang="en-US"/>
+            <a:endParaRPr lang="en-US" dirty="0"/>
           </a:p>
         </p:txBody>
       </p:sp>
@@ -2907,7 +2907,7 @@
           <p:cNvPr id="2" name="Title 1">
             <a:extLst>
               <a:ext uri="{FF2B5EF4-FFF2-40B4-BE49-F238E27FC236}">
-                <a16:creationId xmlns:a16="http://schemas.microsoft.com/office/drawing/2014/main" id="{5C287DE2-E1A2-4F41-96FE-94AF4425CB03}"/>
+                <a16:creationId xmlns:a16="http://schemas.microsoft.com/office/drawing/2014/main" xmlns="" id="{5C287DE2-E1A2-4F41-96FE-94AF4425CB03}"/>
               </a:ext>
             </a:extLst>
           </p:cNvPr>
@@ -2932,6 +2932,10 @@
             </a:lvl1pPr>
           </a:lstStyle>
           <a:p>
+            <a:r>
+              <a:rPr lang="en-US" dirty="0"/>
+              <a:t/>
+            </a:r>
             <a:br>
               <a:rPr lang="en-US" dirty="0"/>
             </a:br>
@@ -2942,27 +2946,59 @@
             <a:br>
               <a:rPr lang="en-US" dirty="0"/>
             </a:br>
+            <a:r>
+              <a:rPr lang="en-US" dirty="0"/>
+              <a:t/>
+            </a:r>
             <a:br>
               <a:rPr lang="en-US" dirty="0"/>
             </a:br>
+            <a:r>
+              <a:rPr lang="en-US" dirty="0"/>
+              <a:t/>
+            </a:r>
             <a:br>
               <a:rPr lang="en-US" dirty="0"/>
             </a:br>
+            <a:r>
+              <a:rPr lang="en-US" dirty="0"/>
+              <a:t/>
+            </a:r>
             <a:br>
               <a:rPr lang="en-US" dirty="0"/>
             </a:br>
+            <a:r>
+              <a:rPr lang="en-US" dirty="0"/>
+              <a:t/>
+            </a:r>
             <a:br>
               <a:rPr lang="en-US" dirty="0"/>
             </a:br>
+            <a:r>
+              <a:rPr lang="en-US" dirty="0"/>
+              <a:t/>
+            </a:r>
             <a:br>
               <a:rPr lang="en-US" dirty="0"/>
             </a:br>
+            <a:r>
+              <a:rPr lang="en-US" dirty="0"/>
+              <a:t/>
+            </a:r>
             <a:br>
               <a:rPr lang="en-US" dirty="0"/>
             </a:br>
+            <a:r>
+              <a:rPr lang="en-US" dirty="0"/>
+              <a:t/>
+            </a:r>
             <a:br>
               <a:rPr lang="en-US" dirty="0"/>
             </a:br>
+            <a:r>
+              <a:rPr lang="en-US" dirty="0"/>
+              <a:t/>
+            </a:r>
             <a:br>
               <a:rPr lang="en-US" dirty="0"/>
             </a:br>
@@ -2973,6 +3009,10 @@
             <a:br>
               <a:rPr lang="en-US" dirty="0"/>
             </a:br>
+            <a:r>
+              <a:rPr lang="en-US" dirty="0"/>
+              <a:t/>
+            </a:r>
             <a:br>
               <a:rPr lang="en-US" dirty="0"/>
             </a:br>
@@ -2983,6 +3023,10 @@
             <a:br>
               <a:rPr lang="en-US" dirty="0"/>
             </a:br>
+            <a:r>
+              <a:rPr lang="en-US" dirty="0"/>
+              <a:t/>
+            </a:r>
             <a:br>
               <a:rPr lang="en-US" dirty="0"/>
             </a:br>
@@ -3002,7 +3046,7 @@
           <p:cNvPr id="3" name="Slide Number Placeholder 2">
             <a:extLst>
               <a:ext uri="{FF2B5EF4-FFF2-40B4-BE49-F238E27FC236}">
-                <a16:creationId xmlns:a16="http://schemas.microsoft.com/office/drawing/2014/main" id="{7D2FFADE-E1BC-48C1-83AA-6DDDD39A33C4}"/>
+                <a16:creationId xmlns:a16="http://schemas.microsoft.com/office/drawing/2014/main" xmlns="" id="{7D2FFADE-E1BC-48C1-83AA-6DDDD39A33C4}"/>
               </a:ext>
             </a:extLst>
           </p:cNvPr>
@@ -3037,7 +3081,7 @@
           <p:cNvPr id="9" name="Picture 8">
             <a:extLst>
               <a:ext uri="{FF2B5EF4-FFF2-40B4-BE49-F238E27FC236}">
-                <a16:creationId xmlns:a16="http://schemas.microsoft.com/office/drawing/2014/main" id="{9CBFC76A-A606-42CF-BCDF-C73975C150B9}"/>
+                <a16:creationId xmlns:a16="http://schemas.microsoft.com/office/drawing/2014/main" xmlns="" id="{9CBFC76A-A606-42CF-BCDF-C73975C150B9}"/>
               </a:ext>
             </a:extLst>
           </p:cNvPr>
@@ -4003,6 +4047,14 @@
           <a:bodyPr/>
           <a:lstStyle/>
           <a:p>
+            <a:r>
+              <a:rPr lang="en-US" dirty="0">
+                <a:solidFill>
+                  <a:srgbClr val="FF00FF"/>
+                </a:solidFill>
+              </a:rPr>
+              <a:t/>
+            </a:r>
             <a:br>
               <a:rPr lang="en-US" dirty="0">
                 <a:solidFill>
@@ -4010,6 +4062,14 @@
                 </a:solidFill>
               </a:rPr>
             </a:br>
+            <a:r>
+              <a:rPr lang="en-US" dirty="0">
+                <a:solidFill>
+                  <a:srgbClr val="FF00FF"/>
+                </a:solidFill>
+              </a:rPr>
+              <a:t/>
+            </a:r>
             <a:br>
               <a:rPr lang="en-US" dirty="0">
                 <a:solidFill>
@@ -4119,15 +4179,23 @@
           <a:p>
             <a:pPr lvl="1"/>
             <a:r>
-              <a:rPr lang="en-US" dirty="0"/>
-              <a:t>Students will be able to describe different types of cyber crime.</a:t>
+              <a:rPr lang="en-US" dirty="0" smtClean="0"/>
+              <a:t>describe </a:t>
+            </a:r>
+            <a:r>
+              <a:rPr lang="en-US" dirty="0"/>
+              <a:t>different types of cyber crime.</a:t>
             </a:r>
           </a:p>
           <a:p>
             <a:pPr lvl="1"/>
             <a:r>
-              <a:rPr lang="en-US" dirty="0"/>
-              <a:t>Students will be able to analyze a situation and discuss if it is a cybercrime.</a:t>
+              <a:rPr lang="en-US" dirty="0" smtClean="0"/>
+              <a:t>analyze </a:t>
+            </a:r>
+            <a:r>
+              <a:rPr lang="en-US" dirty="0"/>
+              <a:t>a situation and discuss if it is a cybercrime.</a:t>
             </a:r>
           </a:p>
         </p:txBody>
@@ -4137,7 +4205,7 @@
           <p:cNvPr id="3" name="Slide Number Placeholder 2">
             <a:extLst>
               <a:ext uri="{FF2B5EF4-FFF2-40B4-BE49-F238E27FC236}">
-                <a16:creationId xmlns:a16="http://schemas.microsoft.com/office/drawing/2014/main" id="{0B1163B0-19D9-4859-8B88-CD4B646011C3}"/>
+                <a16:creationId xmlns:a16="http://schemas.microsoft.com/office/drawing/2014/main" xmlns="" id="{0B1163B0-19D9-4859-8B88-CD4B646011C3}"/>
               </a:ext>
             </a:extLst>
           </p:cNvPr>
@@ -4200,7 +4268,7 @@
           <p:cNvPr id="2" name="Title 1">
             <a:extLst>
               <a:ext uri="{FF2B5EF4-FFF2-40B4-BE49-F238E27FC236}">
-                <a16:creationId xmlns:a16="http://schemas.microsoft.com/office/drawing/2014/main" id="{4D792E2E-71D7-416A-84B1-096A79AEDBF4}"/>
+                <a16:creationId xmlns:a16="http://schemas.microsoft.com/office/drawing/2014/main" xmlns="" id="{4D792E2E-71D7-416A-84B1-096A79AEDBF4}"/>
               </a:ext>
             </a:extLst>
           </p:cNvPr>
@@ -4228,7 +4296,7 @@
           <p:cNvPr id="3" name="Content Placeholder 2">
             <a:extLst>
               <a:ext uri="{FF2B5EF4-FFF2-40B4-BE49-F238E27FC236}">
-                <a16:creationId xmlns:a16="http://schemas.microsoft.com/office/drawing/2014/main" id="{57FAD722-C7AE-4ECB-85D7-90B44D80E01C}"/>
+                <a16:creationId xmlns:a16="http://schemas.microsoft.com/office/drawing/2014/main" xmlns="" id="{57FAD722-C7AE-4ECB-85D7-90B44D80E01C}"/>
               </a:ext>
             </a:extLst>
           </p:cNvPr>
@@ -4315,7 +4383,7 @@
           <p:cNvPr id="4" name="Slide Number Placeholder 3">
             <a:extLst>
               <a:ext uri="{FF2B5EF4-FFF2-40B4-BE49-F238E27FC236}">
-                <a16:creationId xmlns:a16="http://schemas.microsoft.com/office/drawing/2014/main" id="{FE8FE32F-3EAF-40FE-8441-CCD91F08FBD6}"/>
+                <a16:creationId xmlns:a16="http://schemas.microsoft.com/office/drawing/2014/main" xmlns="" id="{FE8FE32F-3EAF-40FE-8441-CCD91F08FBD6}"/>
               </a:ext>
             </a:extLst>
           </p:cNvPr>
@@ -4383,7 +4451,7 @@
           <p:cNvPr id="2" name="Title 1">
             <a:extLst>
               <a:ext uri="{FF2B5EF4-FFF2-40B4-BE49-F238E27FC236}">
-                <a16:creationId xmlns:a16="http://schemas.microsoft.com/office/drawing/2014/main" id="{A9AA7BCA-1934-43A4-A6B4-AC29822E956F}"/>
+                <a16:creationId xmlns:a16="http://schemas.microsoft.com/office/drawing/2014/main" xmlns="" id="{A9AA7BCA-1934-43A4-A6B4-AC29822E956F}"/>
               </a:ext>
             </a:extLst>
           </p:cNvPr>
@@ -4411,7 +4479,7 @@
           <p:cNvPr id="3" name="Content Placeholder 2">
             <a:extLst>
               <a:ext uri="{FF2B5EF4-FFF2-40B4-BE49-F238E27FC236}">
-                <a16:creationId xmlns:a16="http://schemas.microsoft.com/office/drawing/2014/main" id="{3267047E-D49D-4A68-B7A0-8EC6F6F3C826}"/>
+                <a16:creationId xmlns:a16="http://schemas.microsoft.com/office/drawing/2014/main" xmlns="" id="{3267047E-D49D-4A68-B7A0-8EC6F6F3C826}"/>
               </a:ext>
             </a:extLst>
           </p:cNvPr>
@@ -4510,7 +4578,7 @@
           <p:cNvPr id="4" name="Slide Number Placeholder 3">
             <a:extLst>
               <a:ext uri="{FF2B5EF4-FFF2-40B4-BE49-F238E27FC236}">
-                <a16:creationId xmlns:a16="http://schemas.microsoft.com/office/drawing/2014/main" id="{15BBE647-0947-454B-A219-FA79FB968B52}"/>
+                <a16:creationId xmlns:a16="http://schemas.microsoft.com/office/drawing/2014/main" xmlns="" id="{15BBE647-0947-454B-A219-FA79FB968B52}"/>
               </a:ext>
             </a:extLst>
           </p:cNvPr>
@@ -4578,7 +4646,7 @@
           <p:cNvPr id="2" name="Title 1">
             <a:extLst>
               <a:ext uri="{FF2B5EF4-FFF2-40B4-BE49-F238E27FC236}">
-                <a16:creationId xmlns:a16="http://schemas.microsoft.com/office/drawing/2014/main" id="{ECD246BE-AB12-45D3-97AD-5C60001776C9}"/>
+                <a16:creationId xmlns:a16="http://schemas.microsoft.com/office/drawing/2014/main" xmlns="" id="{ECD246BE-AB12-45D3-97AD-5C60001776C9}"/>
               </a:ext>
             </a:extLst>
           </p:cNvPr>
@@ -4606,7 +4674,7 @@
           <p:cNvPr id="3" name="Content Placeholder 2">
             <a:extLst>
               <a:ext uri="{FF2B5EF4-FFF2-40B4-BE49-F238E27FC236}">
-                <a16:creationId xmlns:a16="http://schemas.microsoft.com/office/drawing/2014/main" id="{4B5D7ADA-EA56-4DD2-96FD-AAAF80978E2A}"/>
+                <a16:creationId xmlns:a16="http://schemas.microsoft.com/office/drawing/2014/main" xmlns="" id="{4B5D7ADA-EA56-4DD2-96FD-AAAF80978E2A}"/>
               </a:ext>
             </a:extLst>
           </p:cNvPr>
@@ -4652,7 +4720,7 @@
           <p:cNvPr id="4" name="Slide Number Placeholder 3">
             <a:extLst>
               <a:ext uri="{FF2B5EF4-FFF2-40B4-BE49-F238E27FC236}">
-                <a16:creationId xmlns:a16="http://schemas.microsoft.com/office/drawing/2014/main" id="{DF91341B-BF49-4AD3-A5DB-48EC0ADEF440}"/>
+                <a16:creationId xmlns:a16="http://schemas.microsoft.com/office/drawing/2014/main" xmlns="" id="{DF91341B-BF49-4AD3-A5DB-48EC0ADEF440}"/>
               </a:ext>
             </a:extLst>
           </p:cNvPr>
@@ -4720,7 +4788,7 @@
           <p:cNvPr id="2" name="Title 1">
             <a:extLst>
               <a:ext uri="{FF2B5EF4-FFF2-40B4-BE49-F238E27FC236}">
-                <a16:creationId xmlns:a16="http://schemas.microsoft.com/office/drawing/2014/main" id="{DD47B8D9-8AD2-4958-9F4E-4F2B6D9E0358}"/>
+                <a16:creationId xmlns:a16="http://schemas.microsoft.com/office/drawing/2014/main" xmlns="" id="{DD47B8D9-8AD2-4958-9F4E-4F2B6D9E0358}"/>
               </a:ext>
             </a:extLst>
           </p:cNvPr>
@@ -4748,7 +4816,7 @@
           <p:cNvPr id="3" name="Content Placeholder 2">
             <a:extLst>
               <a:ext uri="{FF2B5EF4-FFF2-40B4-BE49-F238E27FC236}">
-                <a16:creationId xmlns:a16="http://schemas.microsoft.com/office/drawing/2014/main" id="{A79DD0FE-A798-43B1-ADAD-95F913FE2529}"/>
+                <a16:creationId xmlns:a16="http://schemas.microsoft.com/office/drawing/2014/main" xmlns="" id="{A79DD0FE-A798-43B1-ADAD-95F913FE2529}"/>
               </a:ext>
             </a:extLst>
           </p:cNvPr>
@@ -4839,7 +4907,7 @@
           <p:cNvPr id="4" name="Slide Number Placeholder 3">
             <a:extLst>
               <a:ext uri="{FF2B5EF4-FFF2-40B4-BE49-F238E27FC236}">
-                <a16:creationId xmlns:a16="http://schemas.microsoft.com/office/drawing/2014/main" id="{9F544A96-FF56-49EC-B66D-0F32F582C4EE}"/>
+                <a16:creationId xmlns:a16="http://schemas.microsoft.com/office/drawing/2014/main" xmlns="" id="{9F544A96-FF56-49EC-B66D-0F32F582C4EE}"/>
               </a:ext>
             </a:extLst>
           </p:cNvPr>
@@ -4907,7 +4975,7 @@
           <p:cNvPr id="11" name="Title 10">
             <a:extLst>
               <a:ext uri="{FF2B5EF4-FFF2-40B4-BE49-F238E27FC236}">
-                <a16:creationId xmlns:a16="http://schemas.microsoft.com/office/drawing/2014/main" id="{1F52A716-5142-4987-84C0-078D1007C406}"/>
+                <a16:creationId xmlns:a16="http://schemas.microsoft.com/office/drawing/2014/main" xmlns="" id="{1F52A716-5142-4987-84C0-078D1007C406}"/>
               </a:ext>
             </a:extLst>
           </p:cNvPr>
@@ -4932,7 +5000,7 @@
           <p:cNvPr id="7" name="Slide Number Placeholder 6">
             <a:extLst>
               <a:ext uri="{FF2B5EF4-FFF2-40B4-BE49-F238E27FC236}">
-                <a16:creationId xmlns:a16="http://schemas.microsoft.com/office/drawing/2014/main" id="{27B55DC7-B95B-4807-B808-1E7A81E0F45A}"/>
+                <a16:creationId xmlns:a16="http://schemas.microsoft.com/office/drawing/2014/main" xmlns="" id="{27B55DC7-B95B-4807-B808-1E7A81E0F45A}"/>
               </a:ext>
             </a:extLst>
           </p:cNvPr>

--- a/Common-and-Prerequisite-Material/Module_Legal/Lesson 1 LegalAspects_CyberCrime.pptx
+++ b/Common-and-Prerequisite-Material/Module_Legal/Lesson 1 LegalAspects_CyberCrime.pptx
@@ -14,7 +14,7 @@
     <p:sldId id="336" r:id="rId5"/>
     <p:sldId id="337" r:id="rId6"/>
     <p:sldId id="338" r:id="rId7"/>
-    <p:sldId id="333" r:id="rId8"/>
+    <p:sldId id="339" r:id="rId8"/>
   </p:sldIdLst>
   <p:sldSz cx="9144000" cy="6858000" type="screen4x3"/>
   <p:notesSz cx="7315200" cy="9601200"/>
@@ -274,7 +274,7 @@
               <a:pPr>
                 <a:defRPr/>
               </a:pPr>
-              <a:t>4/16/18</a:t>
+              <a:t>4/24/18</a:t>
             </a:fld>
             <a:endParaRPr lang="en-US"/>
           </a:p>
@@ -943,7 +943,7 @@
     </p:spTree>
     <p:extLst>
       <p:ext uri="{BB962C8B-B14F-4D97-AF65-F5344CB8AC3E}">
-        <p14:creationId xmlns:p14="http://schemas.microsoft.com/office/powerpoint/2010/main" val="2433617412"/>
+        <p14:creationId xmlns:p14="http://schemas.microsoft.com/office/powerpoint/2010/main" val="81507201"/>
       </p:ext>
     </p:extLst>
   </p:cSld>
@@ -4972,35 +4972,10 @@
       </p:grpSpPr>
       <p:sp>
         <p:nvSpPr>
-          <p:cNvPr id="11" name="Title 10">
-            <a:extLst>
-              <a:ext uri="{FF2B5EF4-FFF2-40B4-BE49-F238E27FC236}">
-                <a16:creationId xmlns:a16="http://schemas.microsoft.com/office/drawing/2014/main" xmlns="" id="{1F52A716-5142-4987-84C0-078D1007C406}"/>
-              </a:ext>
-            </a:extLst>
-          </p:cNvPr>
-          <p:cNvSpPr>
-            <a:spLocks noGrp="1"/>
-          </p:cNvSpPr>
-          <p:nvPr>
-            <p:ph type="title"/>
-          </p:nvPr>
-        </p:nvSpPr>
-        <p:spPr/>
-        <p:txBody>
-          <a:bodyPr/>
-          <a:lstStyle/>
-          <a:p>
-            <a:endParaRPr lang="en-US" dirty="0"/>
-          </a:p>
-        </p:txBody>
-      </p:sp>
-      <p:sp>
-        <p:nvSpPr>
           <p:cNvPr id="7" name="Slide Number Placeholder 6">
             <a:extLst>
               <a:ext uri="{FF2B5EF4-FFF2-40B4-BE49-F238E27FC236}">
-                <a16:creationId xmlns:a16="http://schemas.microsoft.com/office/drawing/2014/main" xmlns="" id="{27B55DC7-B95B-4807-B808-1E7A81E0F45A}"/>
+                <a16:creationId xmlns="" xmlns:a16="http://schemas.microsoft.com/office/drawing/2014/main" id="{27B55DC7-B95B-4807-B808-1E7A81E0F45A}"/>
               </a:ext>
             </a:extLst>
           </p:cNvPr>
@@ -5025,13 +5000,333 @@
           </a:p>
         </p:txBody>
       </p:sp>
+      <p:sp>
+        <p:nvSpPr>
+          <p:cNvPr id="19" name="Text Placeholder 7">
+            <a:extLst>
+              <a:ext uri="{FF2B5EF4-FFF2-40B4-BE49-F238E27FC236}">
+                <a16:creationId xmlns="" xmlns:a16="http://schemas.microsoft.com/office/drawing/2014/main" id="{2785A2B3-FCF4-4D59-9841-12917D91B27A}"/>
+              </a:ext>
+            </a:extLst>
+          </p:cNvPr>
+          <p:cNvSpPr txBox="1">
+            <a:spLocks/>
+          </p:cNvSpPr>
+          <p:nvPr/>
+        </p:nvSpPr>
+        <p:spPr>
+          <a:xfrm>
+            <a:off x="725683" y="871606"/>
+            <a:ext cx="7893050" cy="5114787"/>
+          </a:xfrm>
+          <a:prstGeom prst="rect">
+            <a:avLst/>
+          </a:prstGeom>
+        </p:spPr>
+        <p:txBody>
+          <a:bodyPr/>
+          <a:lstStyle>
+            <a:lvl1pPr marL="0" indent="0" algn="ctr" defTabSz="685800" rtl="0" eaLnBrk="0" fontAlgn="base" hangingPunct="0">
+              <a:lnSpc>
+                <a:spcPct val="90000"/>
+              </a:lnSpc>
+              <a:spcBef>
+                <a:spcPts val="750"/>
+              </a:spcBef>
+              <a:spcAft>
+                <a:spcPct val="0"/>
+              </a:spcAft>
+              <a:buFont typeface="Arial" charset="0"/>
+              <a:buNone/>
+              <a:defRPr sz="1800" kern="1200">
+                <a:solidFill>
+                  <a:schemeClr val="tx1"/>
+                </a:solidFill>
+                <a:latin typeface="+mn-lt"/>
+                <a:ea typeface="+mn-ea"/>
+                <a:cs typeface="+mn-cs"/>
+              </a:defRPr>
+            </a:lvl1pPr>
+            <a:lvl2pPr marL="514350" indent="-171450" algn="l" defTabSz="685800" rtl="0" eaLnBrk="0" fontAlgn="base" hangingPunct="0">
+              <a:lnSpc>
+                <a:spcPct val="90000"/>
+              </a:lnSpc>
+              <a:spcBef>
+                <a:spcPts val="375"/>
+              </a:spcBef>
+              <a:spcAft>
+                <a:spcPct val="0"/>
+              </a:spcAft>
+              <a:buFont typeface="Arial" charset="0"/>
+              <a:buChar char="•"/>
+              <a:defRPr sz="2400" kern="1200">
+                <a:solidFill>
+                  <a:schemeClr val="tx1"/>
+                </a:solidFill>
+                <a:latin typeface="+mn-lt"/>
+                <a:ea typeface="+mn-ea"/>
+                <a:cs typeface="+mn-cs"/>
+              </a:defRPr>
+            </a:lvl2pPr>
+            <a:lvl3pPr marL="857250" indent="-171450" algn="l" defTabSz="685800" rtl="0" eaLnBrk="0" fontAlgn="base" hangingPunct="0">
+              <a:lnSpc>
+                <a:spcPct val="90000"/>
+              </a:lnSpc>
+              <a:spcBef>
+                <a:spcPts val="375"/>
+              </a:spcBef>
+              <a:spcAft>
+                <a:spcPct val="0"/>
+              </a:spcAft>
+              <a:buFont typeface="Arial" charset="0"/>
+              <a:buChar char="•"/>
+              <a:defRPr sz="1800" kern="1200">
+                <a:solidFill>
+                  <a:schemeClr val="tx1"/>
+                </a:solidFill>
+                <a:latin typeface="+mn-lt"/>
+                <a:ea typeface="+mn-ea"/>
+                <a:cs typeface="+mn-cs"/>
+              </a:defRPr>
+            </a:lvl3pPr>
+            <a:lvl4pPr marL="1200150" indent="-171450" algn="l" defTabSz="685800" rtl="0" eaLnBrk="0" fontAlgn="base" hangingPunct="0">
+              <a:lnSpc>
+                <a:spcPct val="90000"/>
+              </a:lnSpc>
+              <a:spcBef>
+                <a:spcPts val="375"/>
+              </a:spcBef>
+              <a:spcAft>
+                <a:spcPct val="0"/>
+              </a:spcAft>
+              <a:buFont typeface="Arial" charset="0"/>
+              <a:buChar char="•"/>
+              <a:defRPr sz="1600" kern="1200">
+                <a:solidFill>
+                  <a:schemeClr val="tx1"/>
+                </a:solidFill>
+                <a:latin typeface="+mn-lt"/>
+                <a:ea typeface="+mn-ea"/>
+                <a:cs typeface="+mn-cs"/>
+              </a:defRPr>
+            </a:lvl4pPr>
+            <a:lvl5pPr marL="1543050" indent="-171450" algn="l" defTabSz="685800" rtl="0" eaLnBrk="0" fontAlgn="base" hangingPunct="0">
+              <a:lnSpc>
+                <a:spcPct val="90000"/>
+              </a:lnSpc>
+              <a:spcBef>
+                <a:spcPts val="375"/>
+              </a:spcBef>
+              <a:spcAft>
+                <a:spcPct val="0"/>
+              </a:spcAft>
+              <a:buFont typeface="Arial" charset="0"/>
+              <a:buChar char="•"/>
+              <a:defRPr sz="1600" kern="1200">
+                <a:solidFill>
+                  <a:schemeClr val="tx1"/>
+                </a:solidFill>
+                <a:latin typeface="+mn-lt"/>
+                <a:ea typeface="+mn-ea"/>
+                <a:cs typeface="+mn-cs"/>
+              </a:defRPr>
+            </a:lvl5pPr>
+            <a:lvl6pPr marL="1885950" indent="-171450" algn="l" defTabSz="685800" rtl="0" eaLnBrk="1" latinLnBrk="0" hangingPunct="1">
+              <a:lnSpc>
+                <a:spcPct val="90000"/>
+              </a:lnSpc>
+              <a:spcBef>
+                <a:spcPts val="375"/>
+              </a:spcBef>
+              <a:buFont typeface="Arial" panose="020B0604020202020204" pitchFamily="34" charset="0"/>
+              <a:buChar char="•"/>
+              <a:defRPr sz="1350" kern="1200">
+                <a:solidFill>
+                  <a:schemeClr val="tx1"/>
+                </a:solidFill>
+                <a:latin typeface="+mn-lt"/>
+                <a:ea typeface="+mn-ea"/>
+                <a:cs typeface="+mn-cs"/>
+              </a:defRPr>
+            </a:lvl6pPr>
+            <a:lvl7pPr marL="2228850" indent="-171450" algn="l" defTabSz="685800" rtl="0" eaLnBrk="1" latinLnBrk="0" hangingPunct="1">
+              <a:lnSpc>
+                <a:spcPct val="90000"/>
+              </a:lnSpc>
+              <a:spcBef>
+                <a:spcPts val="375"/>
+              </a:spcBef>
+              <a:buFont typeface="Arial" panose="020B0604020202020204" pitchFamily="34" charset="0"/>
+              <a:buChar char="•"/>
+              <a:defRPr sz="1350" kern="1200">
+                <a:solidFill>
+                  <a:schemeClr val="tx1"/>
+                </a:solidFill>
+                <a:latin typeface="+mn-lt"/>
+                <a:ea typeface="+mn-ea"/>
+                <a:cs typeface="+mn-cs"/>
+              </a:defRPr>
+            </a:lvl7pPr>
+            <a:lvl8pPr marL="2571750" indent="-171450" algn="l" defTabSz="685800" rtl="0" eaLnBrk="1" latinLnBrk="0" hangingPunct="1">
+              <a:lnSpc>
+                <a:spcPct val="90000"/>
+              </a:lnSpc>
+              <a:spcBef>
+                <a:spcPts val="375"/>
+              </a:spcBef>
+              <a:buFont typeface="Arial" panose="020B0604020202020204" pitchFamily="34" charset="0"/>
+              <a:buChar char="•"/>
+              <a:defRPr sz="1350" kern="1200">
+                <a:solidFill>
+                  <a:schemeClr val="tx1"/>
+                </a:solidFill>
+                <a:latin typeface="+mn-lt"/>
+                <a:ea typeface="+mn-ea"/>
+                <a:cs typeface="+mn-cs"/>
+              </a:defRPr>
+            </a:lvl8pPr>
+            <a:lvl9pPr marL="2914650" indent="-171450" algn="l" defTabSz="685800" rtl="0" eaLnBrk="1" latinLnBrk="0" hangingPunct="1">
+              <a:lnSpc>
+                <a:spcPct val="90000"/>
+              </a:lnSpc>
+              <a:spcBef>
+                <a:spcPts val="375"/>
+              </a:spcBef>
+              <a:buFont typeface="Arial" panose="020B0604020202020204" pitchFamily="34" charset="0"/>
+              <a:buChar char="•"/>
+              <a:defRPr sz="1350" kern="1200">
+                <a:solidFill>
+                  <a:schemeClr val="tx1"/>
+                </a:solidFill>
+                <a:latin typeface="+mn-lt"/>
+                <a:ea typeface="+mn-ea"/>
+                <a:cs typeface="+mn-cs"/>
+              </a:defRPr>
+            </a:lvl9pPr>
+          </a:lstStyle>
+          <a:p>
+            <a:r>
+              <a:rPr lang="en-US" dirty="0"/>
+              <a:t>Please attribute Dr. Jim Alves-Foss and Dr. Jia Song, University of Idaho</a:t>
+            </a:r>
+            <a:br>
+              <a:rPr lang="en-US" dirty="0"/>
+            </a:br>
+            <a:r>
+              <a:rPr lang="en-US" dirty="0"/>
+              <a:t/>
+            </a:r>
+            <a:br>
+              <a:rPr lang="en-US" dirty="0"/>
+            </a:br>
+            <a:r>
+              <a:rPr lang="en-US" dirty="0"/>
+              <a:t/>
+            </a:r>
+            <a:br>
+              <a:rPr lang="en-US" dirty="0"/>
+            </a:br>
+            <a:r>
+              <a:rPr lang="en-US" dirty="0"/>
+              <a:t/>
+            </a:r>
+            <a:br>
+              <a:rPr lang="en-US" dirty="0"/>
+            </a:br>
+            <a:r>
+              <a:rPr lang="en-US" dirty="0"/>
+              <a:t/>
+            </a:r>
+            <a:br>
+              <a:rPr lang="en-US" dirty="0"/>
+            </a:br>
+            <a:r>
+              <a:rPr lang="en-US" dirty="0"/>
+              <a:t/>
+            </a:r>
+            <a:br>
+              <a:rPr lang="en-US" dirty="0"/>
+            </a:br>
+            <a:r>
+              <a:rPr lang="en-US" dirty="0"/>
+              <a:t/>
+            </a:r>
+            <a:br>
+              <a:rPr lang="en-US" dirty="0"/>
+            </a:br>
+            <a:r>
+              <a:rPr lang="en-US" dirty="0"/>
+              <a:t/>
+            </a:r>
+            <a:br>
+              <a:rPr lang="en-US" dirty="0"/>
+            </a:br>
+            <a:endParaRPr lang="en-US" dirty="0"/>
+          </a:p>
+          <a:p>
+            <a:r>
+              <a:rPr lang="en-US" sz="1600" dirty="0"/>
+              <a:t>Except where otherwise noted, this work is licensed under https://creativecommons.org/licenses/by-nc-sa/4.0/</a:t>
+            </a:r>
+            <a:br>
+              <a:rPr lang="en-US" sz="1600" dirty="0"/>
+            </a:br>
+            <a:r>
+              <a:rPr lang="en-US" sz="1600" dirty="0"/>
+              <a:t/>
+            </a:r>
+            <a:br>
+              <a:rPr lang="en-US" sz="1600" dirty="0"/>
+            </a:br>
+            <a:r>
+              <a:rPr lang="en-US" sz="1600" dirty="0"/>
+              <a:t>Not withstanding the non-commercial license terms, non-profit educational institutions are granted a non-exclusive license to adapt and use this material, with attribution.</a:t>
+            </a:r>
+            <a:br>
+              <a:rPr lang="en-US" sz="1600" dirty="0"/>
+            </a:br>
+            <a:r>
+              <a:rPr lang="en-US" sz="1600" dirty="0"/>
+              <a:t/>
+            </a:r>
+            <a:br>
+              <a:rPr lang="en-US" sz="1600" dirty="0"/>
+            </a:br>
+            <a:r>
+              <a:rPr lang="en-US" sz="1600" dirty="0"/>
+              <a:t>Creative Commons and the double C in a circle are registered trademarks of Creative commons in the United States and other countries. Third party marks and brands are the property of their respective holders</a:t>
+            </a:r>
+            <a:r>
+              <a:rPr lang="en-US" sz="1600" dirty="0" smtClean="0"/>
+              <a:t>.</a:t>
+            </a:r>
+          </a:p>
+          <a:p>
+            <a:r>
+              <a:rPr lang="en-US" sz="1600" dirty="0"/>
+              <a:t>Project sponsored by the National Security Agency under grant Number </a:t>
+            </a:r>
+            <a:r>
+              <a:rPr lang="en-US" sz="1600" dirty="0" smtClean="0"/>
+              <a:t>H98230-17-1-0199. The </a:t>
+            </a:r>
+            <a:r>
+              <a:rPr lang="en-US" sz="1600" dirty="0"/>
+              <a:t>United States Government is authorized to reproduce and distribute reprints notwithstanding any copyright notation herein.</a:t>
+            </a:r>
+          </a:p>
+          <a:p>
+            <a:endParaRPr lang="en-US" sz="1600" dirty="0"/>
+          </a:p>
+        </p:txBody>
+      </p:sp>
     </p:spTree>
     <p:custDataLst>
       <p:tags r:id="rId1"/>
     </p:custDataLst>
     <p:extLst>
       <p:ext uri="{BB962C8B-B14F-4D97-AF65-F5344CB8AC3E}">
-        <p14:creationId xmlns:p14="http://schemas.microsoft.com/office/powerpoint/2010/main" val="1892705052"/>
+        <p14:creationId xmlns:p14="http://schemas.microsoft.com/office/powerpoint/2010/main" val="55586178"/>
       </p:ext>
     </p:extLst>
   </p:cSld>
